--- a/PRESENTATIONS/2021-10-online-f2f/2021-10-05-WoT-F2F-Opening-McCool.pptx
+++ b/PRESENTATIONS/2021-10-online-f2f/2021-10-05-WoT-F2F-Opening-McCool.pptx
@@ -211,7 +211,7 @@
           <a:p>
             <a:fld id="{8389B5DD-0274-BF45-B4C5-62E173E8F634}" type="datetimeFigureOut">
               <a:rPr lang="en-US" smtClean="0"/>
-              <a:t>10/4/21</a:t>
+              <a:t>10/5/21</a:t>
             </a:fld>
             <a:endParaRPr lang="en-US"/>
           </a:p>
@@ -827,7 +827,7 @@
           <a:p>
             <a:fld id="{2F93E591-CC8D-C74E-8EED-098A7FB5E64D}" type="datetime1">
               <a:rPr lang="en-CA" smtClean="0"/>
-              <a:t>2021-10-04</a:t>
+              <a:t>2021-10-05</a:t>
             </a:fld>
             <a:endParaRPr lang="en-US"/>
           </a:p>
@@ -1095,7 +1095,7 @@
           <a:p>
             <a:fld id="{2E1BC118-574D-594E-ABEA-A7C82666C9AB}" type="datetime1">
               <a:rPr lang="en-CA" smtClean="0"/>
-              <a:t>2021-10-04</a:t>
+              <a:t>2021-10-05</a:t>
             </a:fld>
             <a:endParaRPr lang="en-US"/>
           </a:p>
@@ -1461,7 +1461,7 @@
           <a:p>
             <a:fld id="{B929AB1E-7FD9-0A40-B7C0-508CCACB3E9A}" type="datetime1">
               <a:rPr lang="en-CA" smtClean="0"/>
-              <a:t>2021-10-04</a:t>
+              <a:t>2021-10-05</a:t>
             </a:fld>
             <a:endParaRPr lang="en-US"/>
           </a:p>
@@ -1693,7 +1693,7 @@
           <a:p>
             <a:fld id="{5AE8723F-57EA-4C47-97B9-92AFDEEF85DC}" type="datetime1">
               <a:rPr lang="en-CA" smtClean="0"/>
-              <a:t>2021-10-04</a:t>
+              <a:t>2021-10-05</a:t>
             </a:fld>
             <a:endParaRPr lang="en-US"/>
           </a:p>
@@ -2023,7 +2023,7 @@
           <a:p>
             <a:fld id="{B2B00E5D-EC04-AA49-8D52-0FCB6E08F63D}" type="datetime1">
               <a:rPr lang="en-CA" smtClean="0"/>
-              <a:t>2021-10-04</a:t>
+              <a:t>2021-10-05</a:t>
             </a:fld>
             <a:endParaRPr lang="en-US"/>
           </a:p>
@@ -2496,7 +2496,7 @@
           <a:p>
             <a:fld id="{FF90905C-10FF-8047-AA7E-6DC7E8B6AF51}" type="datetime1">
               <a:rPr lang="en-CA" smtClean="0"/>
-              <a:t>2021-10-04</a:t>
+              <a:t>2021-10-05</a:t>
             </a:fld>
             <a:endParaRPr lang="en-US"/>
           </a:p>
@@ -2702,7 +2702,7 @@
           <a:p>
             <a:fld id="{D1CE86E2-4400-D342-BEEC-F9C1ADF6F9F7}" type="datetime1">
               <a:rPr lang="en-CA" smtClean="0"/>
-              <a:t>2021-10-04</a:t>
+              <a:t>2021-10-05</a:t>
             </a:fld>
             <a:endParaRPr lang="en-US"/>
           </a:p>
@@ -2872,7 +2872,7 @@
           <a:p>
             <a:fld id="{74358A08-7221-7F45-8378-69D5559861DD}" type="datetime1">
               <a:rPr lang="en-CA" smtClean="0"/>
-              <a:t>2021-10-04</a:t>
+              <a:t>2021-10-05</a:t>
             </a:fld>
             <a:endParaRPr lang="en-US"/>
           </a:p>
@@ -3244,7 +3244,7 @@
           <a:p>
             <a:fld id="{08C20FDB-303D-8A4E-83B7-226DD88B97BD}" type="datetime1">
               <a:rPr lang="en-CA" smtClean="0"/>
-              <a:t>2021-10-04</a:t>
+              <a:t>2021-10-05</a:t>
             </a:fld>
             <a:endParaRPr lang="en-US"/>
           </a:p>
@@ -3596,7 +3596,7 @@
           <a:p>
             <a:fld id="{0A9EBA37-9D18-D34A-A88D-1B00AA06E95C}" type="datetime1">
               <a:rPr lang="en-CA" smtClean="0"/>
-              <a:t>2021-10-04</a:t>
+              <a:t>2021-10-05</a:t>
             </a:fld>
             <a:endParaRPr lang="en-US"/>
           </a:p>
@@ -3936,7 +3936,7 @@
             <a:fld id="{B73A2E78-F38A-E046-ACDB-668F070D1EF6}" type="datetime1">
               <a:rPr lang="en-CA" smtClean="0"/>
               <a:pPr/>
-              <a:t>2021-10-04</a:t>
+              <a:t>2021-10-05</a:t>
             </a:fld>
             <a:endParaRPr lang="en-US" dirty="0"/>
           </a:p>
@@ -4535,20 +4535,7 @@
           <a:p>
             <a:r>
               <a:rPr lang="en-CA" dirty="0"/>
-              <a:t>WG/IG: Monday Oct 12 (55m)</a:t>
-            </a:r>
-          </a:p>
-          <a:p>
-            <a:pPr lvl="1"/>
-            <a:r>
-              <a:rPr lang="en-CA" dirty="0"/>
-              <a:t>Open Day (tentative)</a:t>
-            </a:r>
-          </a:p>
-          <a:p>
-            <a:r>
-              <a:rPr lang="en-CA" dirty="0"/>
-              <a:t>WG/IG: Monday Oct 14 (2h55m)</a:t>
+              <a:t>WG/IG: Tuesday Oct 12 (55m)</a:t>
             </a:r>
           </a:p>
           <a:p>
@@ -4559,6 +4546,19 @@
             </a:r>
           </a:p>
           <a:p>
+            <a:r>
+              <a:rPr lang="en-CA" dirty="0"/>
+              <a:t>WG/IG: Wednesday Oct 14 (2h55m)</a:t>
+            </a:r>
+          </a:p>
+          <a:p>
+            <a:pPr lvl="1"/>
+            <a:r>
+              <a:rPr lang="en-CA" dirty="0"/>
+              <a:t>Open Day</a:t>
+            </a:r>
+          </a:p>
+          <a:p>
             <a:pPr lvl="1"/>
             <a:endParaRPr lang="en-CA" dirty="0"/>
           </a:p>
@@ -4594,7 +4594,7 @@
           <a:p>
             <a:fld id="{BF92DA42-2970-1B4D-9C1F-77F249CD7467}" type="datetime1">
               <a:rPr lang="en-CA" smtClean="0"/>
-              <a:t>2021-10-04</a:t>
+              <a:t>2021-10-05</a:t>
             </a:fld>
             <a:endParaRPr lang="en-US" dirty="0"/>
           </a:p>
@@ -5189,9 +5189,64 @@
           <a:p>
             <a:fld id="{B929AB1E-7FD9-0A40-B7C0-508CCACB3E9A}" type="datetime1">
               <a:rPr lang="en-CA" smtClean="0"/>
-              <a:t>2021-10-04</a:t>
+              <a:t>2021-10-05</a:t>
             </a:fld>
             <a:endParaRPr lang="en-US"/>
+          </a:p>
+        </p:txBody>
+      </p:sp>
+      <p:sp>
+        <p:nvSpPr>
+          <p:cNvPr id="7" name="TextBox 6">
+            <a:extLst>
+              <a:ext uri="{FF2B5EF4-FFF2-40B4-BE49-F238E27FC236}">
+                <a16:creationId xmlns:a16="http://schemas.microsoft.com/office/drawing/2014/main" id="{3306D857-929A-AA4D-A493-54F09156D534}"/>
+              </a:ext>
+            </a:extLst>
+          </p:cNvPr>
+          <p:cNvSpPr txBox="1"/>
+          <p:nvPr/>
+        </p:nvSpPr>
+        <p:spPr>
+          <a:xfrm>
+            <a:off x="7890552" y="2671281"/>
+            <a:ext cx="2671180" cy="523220"/>
+          </a:xfrm>
+          <a:prstGeom prst="rect">
+            <a:avLst/>
+          </a:prstGeom>
+          <a:noFill/>
+        </p:spPr>
+        <p:txBody>
+          <a:bodyPr wrap="none" rtlCol="0">
+            <a:spAutoFit/>
+          </a:bodyPr>
+          <a:lstStyle/>
+          <a:p>
+            <a:r>
+              <a:rPr lang="en-US" sz="2800" dirty="0">
+                <a:solidFill>
+                  <a:srgbClr val="C00000"/>
+                </a:solidFill>
+              </a:rPr>
+              <a:t>Scribe: </a:t>
+            </a:r>
+            <a:r>
+              <a:rPr lang="en-US" sz="2800" dirty="0" err="1">
+                <a:solidFill>
+                  <a:srgbClr val="C00000"/>
+                </a:solidFill>
+              </a:rPr>
+              <a:t>Ege</a:t>
+            </a:r>
+            <a:r>
+              <a:rPr lang="en-US" sz="2800" dirty="0">
+                <a:solidFill>
+                  <a:srgbClr val="C00000"/>
+                </a:solidFill>
+              </a:rPr>
+              <a:t>/Fady </a:t>
+            </a:r>
           </a:p>
         </p:txBody>
       </p:sp>
@@ -5395,7 +5450,7 @@
           <a:p>
             <a:fld id="{BF92DA42-2970-1B4D-9C1F-77F249CD7467}" type="datetime1">
               <a:rPr lang="en-CA" smtClean="0"/>
-              <a:t>2021-10-04</a:t>
+              <a:t>2021-10-05</a:t>
             </a:fld>
             <a:endParaRPr lang="en-US" dirty="0"/>
           </a:p>
